--- a/slides/Instalacao_QGIS.pptx
+++ b/slides/Instalacao_QGIS.pptx
@@ -5,12 +5,13 @@
     <p:sldMasterId id="2147483648" r:id="rId1"/>
   </p:sldMasterIdLst>
   <p:notesMasterIdLst>
-    <p:notesMasterId r:id="rId5"/>
+    <p:notesMasterId r:id="rId6"/>
   </p:notesMasterIdLst>
   <p:sldIdLst>
     <p:sldId id="265" r:id="rId2"/>
-    <p:sldId id="266" r:id="rId3"/>
-    <p:sldId id="267" r:id="rId4"/>
+    <p:sldId id="268" r:id="rId3"/>
+    <p:sldId id="266" r:id="rId4"/>
+    <p:sldId id="267" r:id="rId5"/>
   </p:sldIdLst>
   <p:sldSz cx="12192000" cy="6858000"/>
   <p:notesSz cx="6858000" cy="9144000"/>
@@ -674,6 +675,115 @@
     </p:spTree>
     <p:extLst>
       <p:ext uri="{BB962C8B-B14F-4D97-AF65-F5344CB8AC3E}">
+        <p14:creationId xmlns:p14="http://schemas.microsoft.com/office/powerpoint/2010/main" val="1634072083"/>
+      </p:ext>
+    </p:extLst>
+  </p:cSld>
+  <p:clrMapOvr>
+    <a:masterClrMapping/>
+  </p:clrMapOvr>
+</p:notes>
+</file>
+
+<file path=ppt/notesSlides/notesSlide3.xml><?xml version="1.0" encoding="utf-8"?>
+<p:notes xmlns:a="http://schemas.openxmlformats.org/drawingml/2006/main" xmlns:r="http://schemas.openxmlformats.org/officeDocument/2006/relationships" xmlns:p="http://schemas.openxmlformats.org/presentationml/2006/main" showMasterSp="0" showMasterPhAnim="0">
+  <p:cSld>
+    <p:spTree>
+      <p:nvGrpSpPr>
+        <p:cNvPr id="1" name="Shape 283"/>
+        <p:cNvGrpSpPr/>
+        <p:nvPr/>
+      </p:nvGrpSpPr>
+      <p:grpSpPr>
+        <a:xfrm>
+          <a:off x="0" y="0"/>
+          <a:ext cx="0" cy="0"/>
+          <a:chOff x="0" y="0"/>
+          <a:chExt cx="0" cy="0"/>
+        </a:xfrm>
+      </p:grpSpPr>
+      <p:sp>
+        <p:nvSpPr>
+          <p:cNvPr id="284" name="Google Shape;284;g9b0372e4da_0_288:notes"/>
+          <p:cNvSpPr>
+            <a:spLocks noGrp="1" noRot="1" noChangeAspect="1"/>
+          </p:cNvSpPr>
+          <p:nvPr>
+            <p:ph type="sldImg" idx="2"/>
+          </p:nvPr>
+        </p:nvSpPr>
+        <p:spPr>
+          <a:xfrm>
+            <a:off x="381000" y="685800"/>
+            <a:ext cx="6096000" cy="3429000"/>
+          </a:xfrm>
+          <a:custGeom>
+            <a:avLst/>
+            <a:gdLst/>
+            <a:ahLst/>
+            <a:cxnLst/>
+            <a:rect l="l" t="t" r="r" b="b"/>
+            <a:pathLst>
+              <a:path w="120000" h="120000" extrusionOk="0">
+                <a:moveTo>
+                  <a:pt x="0" y="0"/>
+                </a:moveTo>
+                <a:lnTo>
+                  <a:pt x="120000" y="0"/>
+                </a:lnTo>
+                <a:lnTo>
+                  <a:pt x="120000" y="120000"/>
+                </a:lnTo>
+                <a:lnTo>
+                  <a:pt x="0" y="120000"/>
+                </a:lnTo>
+                <a:close/>
+              </a:path>
+            </a:pathLst>
+          </a:custGeom>
+        </p:spPr>
+      </p:sp>
+      <p:sp>
+        <p:nvSpPr>
+          <p:cNvPr id="285" name="Google Shape;285;g9b0372e4da_0_288:notes"/>
+          <p:cNvSpPr txBox="1">
+            <a:spLocks noGrp="1"/>
+          </p:cNvSpPr>
+          <p:nvPr>
+            <p:ph type="body" idx="1"/>
+          </p:nvPr>
+        </p:nvSpPr>
+        <p:spPr>
+          <a:xfrm>
+            <a:off x="685800" y="4343400"/>
+            <a:ext cx="5486400" cy="4114800"/>
+          </a:xfrm>
+          <a:prstGeom prst="rect">
+            <a:avLst/>
+          </a:prstGeom>
+        </p:spPr>
+        <p:txBody>
+          <a:bodyPr spcFirstLastPara="1" wrap="square" lIns="91425" tIns="91425" rIns="91425" bIns="91425" anchor="t" anchorCtr="0">
+            <a:noAutofit/>
+          </a:bodyPr>
+          <a:lstStyle/>
+          <a:p>
+            <a:pPr marL="0" lvl="0" indent="0" algn="l" rtl="0">
+              <a:spcBef>
+                <a:spcPts val="0"/>
+              </a:spcBef>
+              <a:spcAft>
+                <a:spcPts val="0"/>
+              </a:spcAft>
+              <a:buNone/>
+            </a:pPr>
+            <a:endParaRPr/>
+          </a:p>
+        </p:txBody>
+      </p:sp>
+    </p:spTree>
+    <p:extLst>
+      <p:ext uri="{BB962C8B-B14F-4D97-AF65-F5344CB8AC3E}">
         <p14:creationId xmlns:p14="http://schemas.microsoft.com/office/powerpoint/2010/main" val="3871488928"/>
       </p:ext>
     </p:extLst>
@@ -684,7 +794,7 @@
 </p:notes>
 </file>
 
-<file path=ppt/notesSlides/notesSlide3.xml><?xml version="1.0" encoding="utf-8"?>
+<file path=ppt/notesSlides/notesSlide4.xml><?xml version="1.0" encoding="utf-8"?>
 <p:notes xmlns:a="http://schemas.openxmlformats.org/drawingml/2006/main" xmlns:r="http://schemas.openxmlformats.org/officeDocument/2006/relationships" xmlns:p="http://schemas.openxmlformats.org/presentationml/2006/main" showMasterSp="0" showMasterPhAnim="0">
   <p:cSld>
     <p:spTree>
@@ -4528,149 +4638,347 @@
           </a:ln>
         </p:spPr>
       </p:pic>
-      <p:pic>
-        <p:nvPicPr>
-          <p:cNvPr id="2" name="Imagem 1">
-            <a:extLst>
-              <a:ext uri="{FF2B5EF4-FFF2-40B4-BE49-F238E27FC236}">
-                <a16:creationId xmlns:a16="http://schemas.microsoft.com/office/drawing/2014/main" id="{B7048A07-6A53-4A6D-966D-4D3FA19096C5}"/>
-              </a:ext>
-            </a:extLst>
-          </p:cNvPr>
-          <p:cNvPicPr/>
+      <p:sp>
+        <p:nvSpPr>
+          <p:cNvPr id="14" name="Google Shape;267;p14">
+            <a:extLst>
+              <a:ext uri="{FF2B5EF4-FFF2-40B4-BE49-F238E27FC236}">
+                <a16:creationId xmlns:a16="http://schemas.microsoft.com/office/drawing/2014/main" id="{670D5E9C-D128-4F54-A298-0C110CE06162}"/>
+              </a:ext>
+            </a:extLst>
+          </p:cNvPr>
+          <p:cNvSpPr txBox="1">
+            <a:spLocks/>
+          </p:cNvSpPr>
           <p:nvPr/>
-        </p:nvPicPr>
-        <p:blipFill rotWithShape="1">
-          <a:blip r:embed="rId5"/>
-          <a:srcRect r="41097" b="24925"/>
-          <a:stretch/>
-        </p:blipFill>
-        <p:spPr>
-          <a:xfrm>
-            <a:off x="2232105" y="142205"/>
-            <a:ext cx="3310993" cy="2283485"/>
-          </a:xfrm>
-          <a:prstGeom prst="rect">
-            <a:avLst/>
-          </a:prstGeom>
-        </p:spPr>
-      </p:pic>
-      <p:sp>
-        <p:nvSpPr>
-          <p:cNvPr id="3" name="Retângulo 2">
-            <a:extLst>
-              <a:ext uri="{FF2B5EF4-FFF2-40B4-BE49-F238E27FC236}">
-                <a16:creationId xmlns:a16="http://schemas.microsoft.com/office/drawing/2014/main" id="{B116341D-0E9C-49EE-8C20-C7096862EB24}"/>
-              </a:ext>
-            </a:extLst>
-          </p:cNvPr>
-          <p:cNvSpPr/>
-          <p:nvPr/>
-        </p:nvSpPr>
-        <p:spPr>
-          <a:xfrm>
-            <a:off x="3732305" y="1262313"/>
-            <a:ext cx="1392072" cy="77337"/>
+        </p:nvSpPr>
+        <p:spPr>
+          <a:xfrm>
+            <a:off x="1616521" y="971437"/>
+            <a:ext cx="7030500" cy="999300"/>
           </a:xfrm>
           <a:prstGeom prst="rect">
             <a:avLst/>
           </a:prstGeom>
           <a:noFill/>
           <a:ln>
-            <a:solidFill>
-              <a:srgbClr val="FF0000"/>
-            </a:solidFill>
+            <a:noFill/>
           </a:ln>
         </p:spPr>
-        <p:style>
-          <a:lnRef idx="2">
-            <a:schemeClr val="accent1">
-              <a:shade val="50000"/>
-            </a:schemeClr>
-          </a:lnRef>
-          <a:fillRef idx="1">
-            <a:schemeClr val="accent1"/>
-          </a:fillRef>
-          <a:effectRef idx="0">
-            <a:schemeClr val="accent1"/>
-          </a:effectRef>
-          <a:fontRef idx="minor">
-            <a:schemeClr val="lt1"/>
-          </a:fontRef>
-        </p:style>
-        <p:txBody>
-          <a:bodyPr rtlCol="0" anchor="ctr"/>
-          <a:lstStyle/>
-          <a:p>
-            <a:pPr algn="ctr"/>
-            <a:endParaRPr lang="pt-BR"/>
-          </a:p>
-        </p:txBody>
-      </p:sp>
-      <p:sp>
-        <p:nvSpPr>
-          <p:cNvPr id="4" name="CaixaDeTexto 3">
-            <a:extLst>
-              <a:ext uri="{FF2B5EF4-FFF2-40B4-BE49-F238E27FC236}">
-                <a16:creationId xmlns:a16="http://schemas.microsoft.com/office/drawing/2014/main" id="{7F7410EB-A170-4AAF-BEAB-15083E087243}"/>
-              </a:ext>
-            </a:extLst>
-          </p:cNvPr>
-          <p:cNvSpPr txBox="1"/>
-          <p:nvPr/>
-        </p:nvSpPr>
-        <p:spPr>
-          <a:xfrm>
-            <a:off x="2989913" y="1469303"/>
-            <a:ext cx="2348279" cy="507831"/>
-          </a:xfrm>
-          <a:prstGeom prst="rect">
-            <a:avLst/>
-          </a:prstGeom>
-          <a:solidFill>
-            <a:schemeClr val="bg1"/>
-          </a:solidFill>
-        </p:spPr>
-        <p:txBody>
-          <a:bodyPr wrap="square" rtlCol="0">
-            <a:spAutoFit/>
+        <p:txBody>
+          <a:bodyPr spcFirstLastPara="1" wrap="square" lIns="91425" tIns="91425" rIns="91425" bIns="91425" anchor="t" anchorCtr="0">
+            <a:noAutofit/>
           </a:bodyPr>
-          <a:lstStyle/>
-          <a:p>
-            <a:pPr algn="just"/>
-            <a:r>
-              <a:rPr lang="pt-BR" sz="900" dirty="0">
+          <a:lstStyle>
+            <a:defPPr marR="0" lvl="0" algn="l" rtl="0">
+              <a:lnSpc>
+                <a:spcPct val="100000"/>
+              </a:lnSpc>
+              <a:spcBef>
+                <a:spcPts val="0"/>
+              </a:spcBef>
+              <a:spcAft>
+                <a:spcPts val="0"/>
+              </a:spcAft>
+            </a:defPPr>
+            <a:lvl1pPr marR="0" lvl="0" algn="l" rtl="0">
+              <a:lnSpc>
+                <a:spcPct val="100000"/>
+              </a:lnSpc>
+              <a:spcBef>
+                <a:spcPts val="0"/>
+              </a:spcBef>
+              <a:spcAft>
+                <a:spcPts val="0"/>
+              </a:spcAft>
+              <a:buClr>
+                <a:schemeClr val="dk2"/>
+              </a:buClr>
+              <a:buSzPts val="2800"/>
+              <a:buFont typeface="Maven Pro"/>
+              <a:buNone/>
+              <a:defRPr sz="2800" b="1" i="0" u="none" strike="noStrike" cap="none">
                 <a:solidFill>
-                  <a:srgbClr val="FF0000"/>
+                  <a:schemeClr val="dk2"/>
                 </a:solidFill>
+                <a:latin typeface="Maven Pro"/>
+                <a:ea typeface="Maven Pro"/>
+                <a:cs typeface="Maven Pro"/>
+                <a:sym typeface="Maven Pro"/>
+              </a:defRPr>
+            </a:lvl1pPr>
+            <a:lvl2pPr marR="0" lvl="1" algn="l" rtl="0">
+              <a:lnSpc>
+                <a:spcPct val="100000"/>
+              </a:lnSpc>
+              <a:spcBef>
+                <a:spcPts val="0"/>
+              </a:spcBef>
+              <a:spcAft>
+                <a:spcPts val="0"/>
+              </a:spcAft>
+              <a:buClr>
+                <a:schemeClr val="dk2"/>
+              </a:buClr>
+              <a:buSzPts val="2800"/>
+              <a:buFont typeface="Maven Pro"/>
+              <a:buNone/>
+              <a:defRPr sz="2800" b="1" i="0" u="none" strike="noStrike" cap="none">
+                <a:solidFill>
+                  <a:schemeClr val="dk2"/>
+                </a:solidFill>
+                <a:latin typeface="Maven Pro"/>
+                <a:ea typeface="Maven Pro"/>
+                <a:cs typeface="Maven Pro"/>
+                <a:sym typeface="Maven Pro"/>
+              </a:defRPr>
+            </a:lvl2pPr>
+            <a:lvl3pPr marR="0" lvl="2" algn="l" rtl="0">
+              <a:lnSpc>
+                <a:spcPct val="100000"/>
+              </a:lnSpc>
+              <a:spcBef>
+                <a:spcPts val="0"/>
+              </a:spcBef>
+              <a:spcAft>
+                <a:spcPts val="0"/>
+              </a:spcAft>
+              <a:buClr>
+                <a:schemeClr val="dk2"/>
+              </a:buClr>
+              <a:buSzPts val="2800"/>
+              <a:buFont typeface="Maven Pro"/>
+              <a:buNone/>
+              <a:defRPr sz="2800" b="1" i="0" u="none" strike="noStrike" cap="none">
+                <a:solidFill>
+                  <a:schemeClr val="dk2"/>
+                </a:solidFill>
+                <a:latin typeface="Maven Pro"/>
+                <a:ea typeface="Maven Pro"/>
+                <a:cs typeface="Maven Pro"/>
+                <a:sym typeface="Maven Pro"/>
+              </a:defRPr>
+            </a:lvl3pPr>
+            <a:lvl4pPr marR="0" lvl="3" algn="l" rtl="0">
+              <a:lnSpc>
+                <a:spcPct val="100000"/>
+              </a:lnSpc>
+              <a:spcBef>
+                <a:spcPts val="0"/>
+              </a:spcBef>
+              <a:spcAft>
+                <a:spcPts val="0"/>
+              </a:spcAft>
+              <a:buClr>
+                <a:schemeClr val="dk2"/>
+              </a:buClr>
+              <a:buSzPts val="2800"/>
+              <a:buFont typeface="Maven Pro"/>
+              <a:buNone/>
+              <a:defRPr sz="2800" b="1" i="0" u="none" strike="noStrike" cap="none">
+                <a:solidFill>
+                  <a:schemeClr val="dk2"/>
+                </a:solidFill>
+                <a:latin typeface="Maven Pro"/>
+                <a:ea typeface="Maven Pro"/>
+                <a:cs typeface="Maven Pro"/>
+                <a:sym typeface="Maven Pro"/>
+              </a:defRPr>
+            </a:lvl4pPr>
+            <a:lvl5pPr marR="0" lvl="4" algn="l" rtl="0">
+              <a:lnSpc>
+                <a:spcPct val="100000"/>
+              </a:lnSpc>
+              <a:spcBef>
+                <a:spcPts val="0"/>
+              </a:spcBef>
+              <a:spcAft>
+                <a:spcPts val="0"/>
+              </a:spcAft>
+              <a:buClr>
+                <a:schemeClr val="dk2"/>
+              </a:buClr>
+              <a:buSzPts val="2800"/>
+              <a:buFont typeface="Maven Pro"/>
+              <a:buNone/>
+              <a:defRPr sz="2800" b="1" i="0" u="none" strike="noStrike" cap="none">
+                <a:solidFill>
+                  <a:schemeClr val="dk2"/>
+                </a:solidFill>
+                <a:latin typeface="Maven Pro"/>
+                <a:ea typeface="Maven Pro"/>
+                <a:cs typeface="Maven Pro"/>
+                <a:sym typeface="Maven Pro"/>
+              </a:defRPr>
+            </a:lvl5pPr>
+            <a:lvl6pPr marR="0" lvl="5" algn="l" rtl="0">
+              <a:lnSpc>
+                <a:spcPct val="100000"/>
+              </a:lnSpc>
+              <a:spcBef>
+                <a:spcPts val="0"/>
+              </a:spcBef>
+              <a:spcAft>
+                <a:spcPts val="0"/>
+              </a:spcAft>
+              <a:buClr>
+                <a:schemeClr val="dk2"/>
+              </a:buClr>
+              <a:buSzPts val="2800"/>
+              <a:buFont typeface="Maven Pro"/>
+              <a:buNone/>
+              <a:defRPr sz="2800" b="1" i="0" u="none" strike="noStrike" cap="none">
+                <a:solidFill>
+                  <a:schemeClr val="dk2"/>
+                </a:solidFill>
+                <a:latin typeface="Maven Pro"/>
+                <a:ea typeface="Maven Pro"/>
+                <a:cs typeface="Maven Pro"/>
+                <a:sym typeface="Maven Pro"/>
+              </a:defRPr>
+            </a:lvl6pPr>
+            <a:lvl7pPr marR="0" lvl="6" algn="l" rtl="0">
+              <a:lnSpc>
+                <a:spcPct val="100000"/>
+              </a:lnSpc>
+              <a:spcBef>
+                <a:spcPts val="0"/>
+              </a:spcBef>
+              <a:spcAft>
+                <a:spcPts val="0"/>
+              </a:spcAft>
+              <a:buClr>
+                <a:schemeClr val="dk2"/>
+              </a:buClr>
+              <a:buSzPts val="2800"/>
+              <a:buFont typeface="Maven Pro"/>
+              <a:buNone/>
+              <a:defRPr sz="2800" b="1" i="0" u="none" strike="noStrike" cap="none">
+                <a:solidFill>
+                  <a:schemeClr val="dk2"/>
+                </a:solidFill>
+                <a:latin typeface="Maven Pro"/>
+                <a:ea typeface="Maven Pro"/>
+                <a:cs typeface="Maven Pro"/>
+                <a:sym typeface="Maven Pro"/>
+              </a:defRPr>
+            </a:lvl7pPr>
+            <a:lvl8pPr marR="0" lvl="7" algn="l" rtl="0">
+              <a:lnSpc>
+                <a:spcPct val="100000"/>
+              </a:lnSpc>
+              <a:spcBef>
+                <a:spcPts val="0"/>
+              </a:spcBef>
+              <a:spcAft>
+                <a:spcPts val="0"/>
+              </a:spcAft>
+              <a:buClr>
+                <a:schemeClr val="dk2"/>
+              </a:buClr>
+              <a:buSzPts val="2800"/>
+              <a:buFont typeface="Maven Pro"/>
+              <a:buNone/>
+              <a:defRPr sz="2800" b="1" i="0" u="none" strike="noStrike" cap="none">
+                <a:solidFill>
+                  <a:schemeClr val="dk2"/>
+                </a:solidFill>
+                <a:latin typeface="Maven Pro"/>
+                <a:ea typeface="Maven Pro"/>
+                <a:cs typeface="Maven Pro"/>
+                <a:sym typeface="Maven Pro"/>
+              </a:defRPr>
+            </a:lvl8pPr>
+            <a:lvl9pPr marR="0" lvl="8" algn="l" rtl="0">
+              <a:lnSpc>
+                <a:spcPct val="100000"/>
+              </a:lnSpc>
+              <a:spcBef>
+                <a:spcPts val="0"/>
+              </a:spcBef>
+              <a:spcAft>
+                <a:spcPts val="0"/>
+              </a:spcAft>
+              <a:buClr>
+                <a:schemeClr val="dk2"/>
+              </a:buClr>
+              <a:buSzPts val="2800"/>
+              <a:buFont typeface="Maven Pro"/>
+              <a:buNone/>
+              <a:defRPr sz="2800" b="1" i="0" u="none" strike="noStrike" cap="none">
+                <a:solidFill>
+                  <a:schemeClr val="dk2"/>
+                </a:solidFill>
+                <a:latin typeface="Maven Pro"/>
+                <a:ea typeface="Maven Pro"/>
+                <a:cs typeface="Maven Pro"/>
+                <a:sym typeface="Maven Pro"/>
+              </a:defRPr>
+            </a:lvl9pPr>
+          </a:lstStyle>
+          <a:p>
+            <a:pPr marL="0" marR="0" lvl="0" indent="0" algn="l" defTabSz="914400" rtl="0" eaLnBrk="1" fontAlgn="auto" latinLnBrk="0" hangingPunct="1">
+              <a:lnSpc>
+                <a:spcPct val="100000"/>
+              </a:lnSpc>
+              <a:spcBef>
+                <a:spcPts val="0"/>
+              </a:spcBef>
+              <a:spcAft>
+                <a:spcPts val="0"/>
+              </a:spcAft>
+              <a:buClr>
+                <a:srgbClr val="424242"/>
+              </a:buClr>
+              <a:buSzPts val="2800"/>
+              <a:buFont typeface="Maven Pro"/>
+              <a:buNone/>
+              <a:tabLst/>
+              <a:defRPr/>
+            </a:pPr>
+            <a:r>
+              <a:rPr kumimoji="0" lang="pt-BR" sz="2800" b="1" i="0" u="none" strike="noStrike" kern="0" cap="none" spc="0" normalizeH="0" baseline="0" noProof="0" dirty="0">
+                <a:ln>
+                  <a:noFill/>
+                </a:ln>
+                <a:solidFill>
+                  <a:srgbClr val="424242"/>
+                </a:solidFill>
+                <a:effectLst/>
+                <a:uLnTx/>
+                <a:uFillTx/>
+                <a:latin typeface="Maven Pro"/>
+                <a:sym typeface="Maven Pro"/>
               </a:rPr>
-              <a:t>Verifique o tipo de sistema operacional do seu  computador (32 ou 64 bits) para fazer o download da versão correta do QGIS</a:t>
+              <a:t>Acesso ao material do curso</a:t>
             </a:r>
           </a:p>
         </p:txBody>
       </p:sp>
       <p:pic>
         <p:nvPicPr>
-          <p:cNvPr id="5" name="Imagem 4">
-            <a:extLst>
-              <a:ext uri="{FF2B5EF4-FFF2-40B4-BE49-F238E27FC236}">
-                <a16:creationId xmlns:a16="http://schemas.microsoft.com/office/drawing/2014/main" id="{6991CDF4-07DF-4D2C-8DF0-E749B79A8C04}"/>
-              </a:ext>
-            </a:extLst>
-          </p:cNvPr>
-          <p:cNvPicPr/>
+          <p:cNvPr id="11" name="Imagem 10">
+            <a:extLst>
+              <a:ext uri="{FF2B5EF4-FFF2-40B4-BE49-F238E27FC236}">
+                <a16:creationId xmlns:a16="http://schemas.microsoft.com/office/drawing/2014/main" id="{820DA3F6-AE43-4043-B303-8001ADD6B4AA}"/>
+              </a:ext>
+            </a:extLst>
+          </p:cNvPr>
+          <p:cNvPicPr>
+            <a:picLocks noChangeAspect="1"/>
+          </p:cNvPicPr>
           <p:nvPr/>
         </p:nvPicPr>
         <p:blipFill>
-          <a:blip r:embed="rId6"/>
+          <a:blip r:embed="rId5"/>
           <a:stretch>
             <a:fillRect/>
           </a:stretch>
         </p:blipFill>
         <p:spPr>
           <a:xfrm>
-            <a:off x="6096000" y="142205"/>
-            <a:ext cx="3816268" cy="2577989"/>
+            <a:off x="4521200" y="2078447"/>
+            <a:ext cx="6737350" cy="4037924"/>
           </a:xfrm>
           <a:prstGeom prst="rect">
             <a:avLst/>
@@ -4679,10 +4987,10 @@
       </p:pic>
       <p:sp>
         <p:nvSpPr>
-          <p:cNvPr id="6" name="CaixaDeTexto 5">
-            <a:extLst>
-              <a:ext uri="{FF2B5EF4-FFF2-40B4-BE49-F238E27FC236}">
-                <a16:creationId xmlns:a16="http://schemas.microsoft.com/office/drawing/2014/main" id="{7DC4EFD7-EC48-4AFA-A7B2-B8E08E456C89}"/>
+          <p:cNvPr id="16" name="CaixaDeTexto 15">
+            <a:extLst>
+              <a:ext uri="{FF2B5EF4-FFF2-40B4-BE49-F238E27FC236}">
+                <a16:creationId xmlns:a16="http://schemas.microsoft.com/office/drawing/2014/main" id="{336CBB48-B021-40D9-8C07-6CD90893DCC2}"/>
               </a:ext>
             </a:extLst>
           </p:cNvPr>
@@ -4691,167 +4999,74 @@
         </p:nvSpPr>
         <p:spPr>
           <a:xfrm>
-            <a:off x="6748899" y="1016484"/>
-            <a:ext cx="2502760" cy="646331"/>
+            <a:off x="933450" y="2796466"/>
+            <a:ext cx="3486852" cy="1345112"/>
           </a:xfrm>
           <a:prstGeom prst="rect">
             <a:avLst/>
           </a:prstGeom>
-          <a:solidFill>
-            <a:schemeClr val="bg1"/>
-          </a:solidFill>
-        </p:spPr>
-        <p:txBody>
-          <a:bodyPr wrap="square" rtlCol="0">
+          <a:noFill/>
+        </p:spPr>
+        <p:txBody>
+          <a:bodyPr wrap="none" rtlCol="0">
             <a:spAutoFit/>
           </a:bodyPr>
           <a:lstStyle/>
           <a:p>
-            <a:r>
-              <a:rPr lang="pt-BR" sz="900" dirty="0">
-                <a:solidFill>
-                  <a:srgbClr val="FF0000"/>
-                </a:solidFill>
+            <a:pPr>
+              <a:lnSpc>
+                <a:spcPct val="150000"/>
+              </a:lnSpc>
+            </a:pPr>
+            <a:r>
+              <a:rPr lang="pt-BR" sz="1400" dirty="0">
+                <a:latin typeface="Nunito" panose="020B0604020202020204" charset="0"/>
               </a:rPr>
-              <a:t>Acesse o site oficial do QGIS: </a:t>
-            </a:r>
-            <a:r>
-              <a:rPr lang="pt-BR" sz="900" dirty="0">
-                <a:solidFill>
-                  <a:srgbClr val="FF0000"/>
-                </a:solidFill>
-                <a:hlinkClick r:id="rId7"/>
+              <a:t>Todo o conteúdo do minicurso </a:t>
+            </a:r>
+          </a:p>
+          <a:p>
+            <a:pPr>
+              <a:lnSpc>
+                <a:spcPct val="150000"/>
+              </a:lnSpc>
+            </a:pPr>
+            <a:r>
+              <a:rPr lang="pt-BR" sz="1400" dirty="0">
+                <a:latin typeface="Nunito" panose="020B0604020202020204" charset="0"/>
               </a:rPr>
-              <a:t>https://www.qgis.org/pt_BR/site/forusers/download.html</a:t>
-            </a:r>
-            <a:r>
-              <a:rPr lang="pt-BR" sz="900" dirty="0">
-                <a:solidFill>
-                  <a:srgbClr val="FF0000"/>
-                </a:solidFill>
+              <a:t>está disponível em </a:t>
+            </a:r>
+          </a:p>
+          <a:p>
+            <a:pPr>
+              <a:lnSpc>
+                <a:spcPct val="150000"/>
+              </a:lnSpc>
+            </a:pPr>
+            <a:r>
+              <a:rPr lang="pt-BR" sz="1400" dirty="0">
+                <a:latin typeface="Nunito" panose="020B0604020202020204" charset="0"/>
+                <a:hlinkClick r:id="rId6"/>
               </a:rPr>
-              <a:t>.</a:t>
-            </a:r>
-          </a:p>
-          <a:p>
-            <a:r>
-              <a:rPr lang="pt-BR" sz="900" dirty="0">
-                <a:solidFill>
-                  <a:srgbClr val="FF0000"/>
-                </a:solidFill>
+              <a:t>https://github.com/thsdornelas/curso_qgis</a:t>
+            </a:r>
+            <a:endParaRPr lang="pt-BR" sz="1400" dirty="0">
+              <a:latin typeface="Nunito" panose="020B0604020202020204" charset="0"/>
+            </a:endParaRPr>
+          </a:p>
+          <a:p>
+            <a:pPr>
+              <a:lnSpc>
+                <a:spcPct val="150000"/>
+              </a:lnSpc>
+            </a:pPr>
+            <a:r>
+              <a:rPr lang="pt-BR" sz="1400" dirty="0">
+                <a:latin typeface="Nunito" panose="020B0604020202020204" charset="0"/>
               </a:rPr>
-              <a:t>Selecione o instalador do QGIS 3.10</a:t>
-            </a:r>
-          </a:p>
-        </p:txBody>
-      </p:sp>
-      <p:pic>
-        <p:nvPicPr>
-          <p:cNvPr id="8" name="Imagem 7">
-            <a:extLst>
-              <a:ext uri="{FF2B5EF4-FFF2-40B4-BE49-F238E27FC236}">
-                <a16:creationId xmlns:a16="http://schemas.microsoft.com/office/drawing/2014/main" id="{0C3A9BB5-5B36-4B4B-ABA7-BF6EFFC89883}"/>
-              </a:ext>
-            </a:extLst>
-          </p:cNvPr>
-          <p:cNvPicPr/>
-          <p:nvPr/>
-        </p:nvPicPr>
-        <p:blipFill>
-          <a:blip r:embed="rId8"/>
-          <a:stretch>
-            <a:fillRect/>
-          </a:stretch>
-        </p:blipFill>
-        <p:spPr>
-          <a:xfrm>
-            <a:off x="1418532" y="2989913"/>
-            <a:ext cx="3596400" cy="2905200"/>
-          </a:xfrm>
-          <a:prstGeom prst="rect">
-            <a:avLst/>
-          </a:prstGeom>
-        </p:spPr>
-      </p:pic>
-      <p:pic>
-        <p:nvPicPr>
-          <p:cNvPr id="10" name="Imagem 9">
-            <a:extLst>
-              <a:ext uri="{FF2B5EF4-FFF2-40B4-BE49-F238E27FC236}">
-                <a16:creationId xmlns:a16="http://schemas.microsoft.com/office/drawing/2014/main" id="{E8121709-F746-4D40-BCEB-B5331D2EA68E}"/>
-              </a:ext>
-            </a:extLst>
-          </p:cNvPr>
-          <p:cNvPicPr/>
-          <p:nvPr/>
-        </p:nvPicPr>
-        <p:blipFill>
-          <a:blip r:embed="rId9"/>
-          <a:stretch>
-            <a:fillRect/>
-          </a:stretch>
-        </p:blipFill>
-        <p:spPr>
-          <a:xfrm>
-            <a:off x="6765735" y="2989913"/>
-            <a:ext cx="3596400" cy="2905200"/>
-          </a:xfrm>
-          <a:prstGeom prst="rect">
-            <a:avLst/>
-          </a:prstGeom>
-        </p:spPr>
-      </p:pic>
-      <p:sp>
-        <p:nvSpPr>
-          <p:cNvPr id="12" name="Seta: para a Direita 11">
-            <a:extLst>
-              <a:ext uri="{FF2B5EF4-FFF2-40B4-BE49-F238E27FC236}">
-                <a16:creationId xmlns:a16="http://schemas.microsoft.com/office/drawing/2014/main" id="{5B72CADF-BE41-4379-AD73-7EBFA4B386FB}"/>
-              </a:ext>
-            </a:extLst>
-          </p:cNvPr>
-          <p:cNvSpPr/>
-          <p:nvPr/>
-        </p:nvSpPr>
-        <p:spPr>
-          <a:xfrm>
-            <a:off x="5543098" y="4296031"/>
-            <a:ext cx="710214" cy="292963"/>
-          </a:xfrm>
-          <a:prstGeom prst="rightArrow">
-            <a:avLst/>
-          </a:prstGeom>
-          <a:solidFill>
-            <a:srgbClr val="FF0000"/>
-          </a:solidFill>
-          <a:ln>
-            <a:solidFill>
-              <a:srgbClr val="FF0000"/>
-            </a:solidFill>
-          </a:ln>
-        </p:spPr>
-        <p:style>
-          <a:lnRef idx="2">
-            <a:schemeClr val="accent1">
-              <a:shade val="50000"/>
-            </a:schemeClr>
-          </a:lnRef>
-          <a:fillRef idx="1">
-            <a:schemeClr val="accent1"/>
-          </a:fillRef>
-          <a:effectRef idx="0">
-            <a:schemeClr val="accent1"/>
-          </a:effectRef>
-          <a:fontRef idx="minor">
-            <a:schemeClr val="lt1"/>
-          </a:fontRef>
-        </p:style>
-        <p:txBody>
-          <a:bodyPr rtlCol="0" anchor="ctr"/>
-          <a:lstStyle/>
-          <a:p>
-            <a:pPr algn="ctr"/>
-            <a:endParaRPr lang="pt-BR"/>
+              <a:t> </a:t>
+            </a:r>
           </a:p>
         </p:txBody>
       </p:sp>
@@ -4943,26 +5158,25 @@
       </p:pic>
       <p:pic>
         <p:nvPicPr>
-          <p:cNvPr id="7" name="Imagem 6">
-            <a:extLst>
-              <a:ext uri="{FF2B5EF4-FFF2-40B4-BE49-F238E27FC236}">
-                <a16:creationId xmlns:a16="http://schemas.microsoft.com/office/drawing/2014/main" id="{66E54820-11ED-48A6-8F27-44D2896C6506}"/>
+          <p:cNvPr id="2" name="Imagem 1">
+            <a:extLst>
+              <a:ext uri="{FF2B5EF4-FFF2-40B4-BE49-F238E27FC236}">
+                <a16:creationId xmlns:a16="http://schemas.microsoft.com/office/drawing/2014/main" id="{B7048A07-6A53-4A6D-966D-4D3FA19096C5}"/>
               </a:ext>
             </a:extLst>
           </p:cNvPr>
           <p:cNvPicPr/>
           <p:nvPr/>
         </p:nvPicPr>
-        <p:blipFill>
+        <p:blipFill rotWithShape="1">
           <a:blip r:embed="rId5"/>
-          <a:stretch>
-            <a:fillRect/>
-          </a:stretch>
+          <a:srcRect r="41097" b="24925"/>
+          <a:stretch/>
         </p:blipFill>
         <p:spPr>
           <a:xfrm>
-            <a:off x="1938235" y="228121"/>
-            <a:ext cx="3596639" cy="2903647"/>
+            <a:off x="2232105" y="142205"/>
+            <a:ext cx="3310993" cy="2283485"/>
           </a:xfrm>
           <a:prstGeom prst="rect">
             <a:avLst/>
@@ -4971,10 +5185,10 @@
       </p:pic>
       <p:sp>
         <p:nvSpPr>
-          <p:cNvPr id="9" name="Seta: para a Direita 8">
-            <a:extLst>
-              <a:ext uri="{FF2B5EF4-FFF2-40B4-BE49-F238E27FC236}">
-                <a16:creationId xmlns:a16="http://schemas.microsoft.com/office/drawing/2014/main" id="{48EBCC4E-1BC5-4FFE-AAC3-9E80735153C8}"/>
+          <p:cNvPr id="3" name="Retângulo 2">
+            <a:extLst>
+              <a:ext uri="{FF2B5EF4-FFF2-40B4-BE49-F238E27FC236}">
+                <a16:creationId xmlns:a16="http://schemas.microsoft.com/office/drawing/2014/main" id="{B116341D-0E9C-49EE-8C20-C7096862EB24}"/>
               </a:ext>
             </a:extLst>
           </p:cNvPr>
@@ -4983,15 +5197,13 @@
         </p:nvSpPr>
         <p:spPr>
           <a:xfrm>
-            <a:off x="5661683" y="1533462"/>
-            <a:ext cx="710214" cy="292963"/>
-          </a:xfrm>
-          <a:prstGeom prst="rightArrow">
+            <a:off x="3732305" y="1262313"/>
+            <a:ext cx="1392072" cy="77337"/>
+          </a:xfrm>
+          <a:prstGeom prst="rect">
             <a:avLst/>
           </a:prstGeom>
-          <a:solidFill>
-            <a:srgbClr val="FF0000"/>
-          </a:solidFill>
+          <a:noFill/>
           <a:ln>
             <a:solidFill>
               <a:srgbClr val="FF0000"/>
@@ -5023,12 +5235,54 @@
           </a:p>
         </p:txBody>
       </p:sp>
+      <p:sp>
+        <p:nvSpPr>
+          <p:cNvPr id="4" name="CaixaDeTexto 3">
+            <a:extLst>
+              <a:ext uri="{FF2B5EF4-FFF2-40B4-BE49-F238E27FC236}">
+                <a16:creationId xmlns:a16="http://schemas.microsoft.com/office/drawing/2014/main" id="{7F7410EB-A170-4AAF-BEAB-15083E087243}"/>
+              </a:ext>
+            </a:extLst>
+          </p:cNvPr>
+          <p:cNvSpPr txBox="1"/>
+          <p:nvPr/>
+        </p:nvSpPr>
+        <p:spPr>
+          <a:xfrm>
+            <a:off x="2989913" y="1469303"/>
+            <a:ext cx="2348279" cy="507831"/>
+          </a:xfrm>
+          <a:prstGeom prst="rect">
+            <a:avLst/>
+          </a:prstGeom>
+          <a:solidFill>
+            <a:schemeClr val="bg1"/>
+          </a:solidFill>
+        </p:spPr>
+        <p:txBody>
+          <a:bodyPr wrap="square" rtlCol="0">
+            <a:spAutoFit/>
+          </a:bodyPr>
+          <a:lstStyle/>
+          <a:p>
+            <a:pPr algn="just"/>
+            <a:r>
+              <a:rPr lang="pt-BR" sz="900" dirty="0">
+                <a:solidFill>
+                  <a:srgbClr val="FF0000"/>
+                </a:solidFill>
+              </a:rPr>
+              <a:t>Verifique o tipo de sistema operacional do seu  computador (32 ou 64 bits) para fazer o download da versão correta do QGIS</a:t>
+            </a:r>
+          </a:p>
+        </p:txBody>
+      </p:sp>
       <p:pic>
         <p:nvPicPr>
-          <p:cNvPr id="11" name="Imagem 10">
-            <a:extLst>
-              <a:ext uri="{FF2B5EF4-FFF2-40B4-BE49-F238E27FC236}">
-                <a16:creationId xmlns:a16="http://schemas.microsoft.com/office/drawing/2014/main" id="{15F3E556-FC01-4ECF-A0B7-48DD8D5FEB17}"/>
+          <p:cNvPr id="5" name="Imagem 4">
+            <a:extLst>
+              <a:ext uri="{FF2B5EF4-FFF2-40B4-BE49-F238E27FC236}">
+                <a16:creationId xmlns:a16="http://schemas.microsoft.com/office/drawing/2014/main" id="{6991CDF4-07DF-4D2C-8DF0-E749B79A8C04}"/>
               </a:ext>
             </a:extLst>
           </p:cNvPr>
@@ -5043,20 +5297,88 @@
         </p:blipFill>
         <p:spPr>
           <a:xfrm>
-            <a:off x="6476342" y="228121"/>
-            <a:ext cx="3596400" cy="2905200"/>
+            <a:off x="6096000" y="142205"/>
+            <a:ext cx="3816268" cy="2577989"/>
           </a:xfrm>
           <a:prstGeom prst="rect">
             <a:avLst/>
           </a:prstGeom>
         </p:spPr>
       </p:pic>
+      <p:sp>
+        <p:nvSpPr>
+          <p:cNvPr id="6" name="CaixaDeTexto 5">
+            <a:extLst>
+              <a:ext uri="{FF2B5EF4-FFF2-40B4-BE49-F238E27FC236}">
+                <a16:creationId xmlns:a16="http://schemas.microsoft.com/office/drawing/2014/main" id="{7DC4EFD7-EC48-4AFA-A7B2-B8E08E456C89}"/>
+              </a:ext>
+            </a:extLst>
+          </p:cNvPr>
+          <p:cNvSpPr txBox="1"/>
+          <p:nvPr/>
+        </p:nvSpPr>
+        <p:spPr>
+          <a:xfrm>
+            <a:off x="6748899" y="1016484"/>
+            <a:ext cx="2502760" cy="646331"/>
+          </a:xfrm>
+          <a:prstGeom prst="rect">
+            <a:avLst/>
+          </a:prstGeom>
+          <a:solidFill>
+            <a:schemeClr val="bg1"/>
+          </a:solidFill>
+        </p:spPr>
+        <p:txBody>
+          <a:bodyPr wrap="square" rtlCol="0">
+            <a:spAutoFit/>
+          </a:bodyPr>
+          <a:lstStyle/>
+          <a:p>
+            <a:r>
+              <a:rPr lang="pt-BR" sz="900" dirty="0">
+                <a:solidFill>
+                  <a:srgbClr val="FF0000"/>
+                </a:solidFill>
+              </a:rPr>
+              <a:t>Acesse o site oficial do QGIS: </a:t>
+            </a:r>
+            <a:r>
+              <a:rPr lang="pt-BR" sz="900" dirty="0">
+                <a:solidFill>
+                  <a:srgbClr val="FF0000"/>
+                </a:solidFill>
+                <a:hlinkClick r:id="rId7"/>
+              </a:rPr>
+              <a:t>https://www.qgis.org/pt_BR/site/forusers/download.html</a:t>
+            </a:r>
+            <a:r>
+              <a:rPr lang="pt-BR" sz="900" dirty="0">
+                <a:solidFill>
+                  <a:srgbClr val="FF0000"/>
+                </a:solidFill>
+              </a:rPr>
+              <a:t>.</a:t>
+            </a:r>
+          </a:p>
+          <a:p>
+            <a:r>
+              <a:rPr lang="pt-BR" sz="900" dirty="0">
+                <a:solidFill>
+                  <a:srgbClr val="FF0000"/>
+                </a:solidFill>
+              </a:rPr>
+              <a:t>Selecione o instalador do QGIS 3.10</a:t>
+            </a:r>
+          </a:p>
+        </p:txBody>
+      </p:sp>
       <p:pic>
         <p:nvPicPr>
-          <p:cNvPr id="14" name="Imagem 13">
-            <a:extLst>
-              <a:ext uri="{FF2B5EF4-FFF2-40B4-BE49-F238E27FC236}">
-                <a16:creationId xmlns:a16="http://schemas.microsoft.com/office/drawing/2014/main" id="{01F318F2-543E-463B-B45E-AEE061DD8CDE}"/>
+          <p:cNvPr id="8" name="Imagem 7">
+            <a:extLst>
+              <a:ext uri="{FF2B5EF4-FFF2-40B4-BE49-F238E27FC236}">
+                <a16:creationId xmlns:a16="http://schemas.microsoft.com/office/drawing/2014/main" id="{0C3A9BB5-5B36-4B4B-ABA7-BF6EFFC89883}"/>
               </a:ext>
             </a:extLst>
           </p:cNvPr>
@@ -5064,15 +5386,15 @@
           <p:nvPr/>
         </p:nvPicPr>
         <p:blipFill>
-          <a:blip r:embed="rId6"/>
+          <a:blip r:embed="rId8"/>
           <a:stretch>
             <a:fillRect/>
           </a:stretch>
         </p:blipFill>
         <p:spPr>
           <a:xfrm>
-            <a:off x="1938235" y="3211171"/>
-            <a:ext cx="3596400" cy="2903647"/>
+            <a:off x="1418532" y="2989913"/>
+            <a:ext cx="3596400" cy="2905200"/>
           </a:xfrm>
           <a:prstGeom prst="rect">
             <a:avLst/>
@@ -5081,10 +5403,10 @@
       </p:pic>
       <p:pic>
         <p:nvPicPr>
-          <p:cNvPr id="16" name="Imagem 15">
-            <a:extLst>
-              <a:ext uri="{FF2B5EF4-FFF2-40B4-BE49-F238E27FC236}">
-                <a16:creationId xmlns:a16="http://schemas.microsoft.com/office/drawing/2014/main" id="{4B0B4A44-AA61-43E1-A721-8719CA67C7BF}"/>
+          <p:cNvPr id="10" name="Imagem 9">
+            <a:extLst>
+              <a:ext uri="{FF2B5EF4-FFF2-40B4-BE49-F238E27FC236}">
+                <a16:creationId xmlns:a16="http://schemas.microsoft.com/office/drawing/2014/main" id="{E8121709-F746-4D40-BCEB-B5331D2EA68E}"/>
               </a:ext>
             </a:extLst>
           </p:cNvPr>
@@ -5092,14 +5414,14 @@
           <p:nvPr/>
         </p:nvPicPr>
         <p:blipFill>
-          <a:blip r:embed="rId7"/>
+          <a:blip r:embed="rId9"/>
           <a:stretch>
             <a:fillRect/>
           </a:stretch>
         </p:blipFill>
         <p:spPr>
           <a:xfrm>
-            <a:off x="6476342" y="3211171"/>
+            <a:off x="6765735" y="2989913"/>
             <a:ext cx="3596400" cy="2905200"/>
           </a:xfrm>
           <a:prstGeom prst="rect">
@@ -5109,10 +5431,10 @@
       </p:pic>
       <p:sp>
         <p:nvSpPr>
-          <p:cNvPr id="18" name="Seta: para a Direita 17">
-            <a:extLst>
-              <a:ext uri="{FF2B5EF4-FFF2-40B4-BE49-F238E27FC236}">
-                <a16:creationId xmlns:a16="http://schemas.microsoft.com/office/drawing/2014/main" id="{5DF9F882-09A7-40A1-B105-2F4461189EC8}"/>
+          <p:cNvPr id="12" name="Seta: para a Direita 11">
+            <a:extLst>
+              <a:ext uri="{FF2B5EF4-FFF2-40B4-BE49-F238E27FC236}">
+                <a16:creationId xmlns:a16="http://schemas.microsoft.com/office/drawing/2014/main" id="{5B72CADF-BE41-4379-AD73-7EBFA4B386FB}"/>
               </a:ext>
             </a:extLst>
           </p:cNvPr>
@@ -5121,7 +5443,7 @@
         </p:nvSpPr>
         <p:spPr>
           <a:xfrm>
-            <a:off x="5661683" y="4516512"/>
+            <a:off x="5543098" y="4296031"/>
             <a:ext cx="710214" cy="292963"/>
           </a:xfrm>
           <a:prstGeom prst="rightArrow">
@@ -5164,6 +5486,312 @@
     </p:spTree>
     <p:extLst>
       <p:ext uri="{BB962C8B-B14F-4D97-AF65-F5344CB8AC3E}">
+        <p14:creationId xmlns:p14="http://schemas.microsoft.com/office/powerpoint/2010/main" val="1747585311"/>
+      </p:ext>
+    </p:extLst>
+  </p:cSld>
+  <p:clrMapOvr>
+    <a:masterClrMapping/>
+  </p:clrMapOvr>
+</p:sld>
+</file>
+
+<file path=ppt/slides/slide3.xml><?xml version="1.0" encoding="utf-8"?>
+<p:sld xmlns:a="http://schemas.openxmlformats.org/drawingml/2006/main" xmlns:r="http://schemas.openxmlformats.org/officeDocument/2006/relationships" xmlns:p="http://schemas.openxmlformats.org/presentationml/2006/main">
+  <p:cSld>
+    <p:spTree>
+      <p:nvGrpSpPr>
+        <p:cNvPr id="1" name="Shape 286"/>
+        <p:cNvGrpSpPr/>
+        <p:nvPr/>
+      </p:nvGrpSpPr>
+      <p:grpSpPr>
+        <a:xfrm>
+          <a:off x="0" y="0"/>
+          <a:ext cx="0" cy="0"/>
+          <a:chOff x="0" y="0"/>
+          <a:chExt cx="0" cy="0"/>
+        </a:xfrm>
+      </p:grpSpPr>
+      <p:pic>
+        <p:nvPicPr>
+          <p:cNvPr id="290" name="Google Shape;290;p16"/>
+          <p:cNvPicPr preferRelativeResize="0"/>
+          <p:nvPr/>
+        </p:nvPicPr>
+        <p:blipFill>
+          <a:blip r:embed="rId3">
+            <a:alphaModFix/>
+          </a:blip>
+          <a:stretch>
+            <a:fillRect/>
+          </a:stretch>
+        </p:blipFill>
+        <p:spPr>
+          <a:xfrm>
+            <a:off x="9857533" y="6116371"/>
+            <a:ext cx="1254867" cy="662434"/>
+          </a:xfrm>
+          <a:prstGeom prst="rect">
+            <a:avLst/>
+          </a:prstGeom>
+          <a:noFill/>
+          <a:ln>
+            <a:noFill/>
+          </a:ln>
+        </p:spPr>
+      </p:pic>
+      <p:pic>
+        <p:nvPicPr>
+          <p:cNvPr id="292" name="Google Shape;292;p16"/>
+          <p:cNvPicPr preferRelativeResize="0"/>
+          <p:nvPr/>
+        </p:nvPicPr>
+        <p:blipFill>
+          <a:blip r:embed="rId4">
+            <a:alphaModFix/>
+          </a:blip>
+          <a:stretch>
+            <a:fillRect/>
+          </a:stretch>
+        </p:blipFill>
+        <p:spPr>
+          <a:xfrm>
+            <a:off x="1079600" y="6116371"/>
+            <a:ext cx="1073843" cy="723200"/>
+          </a:xfrm>
+          <a:prstGeom prst="rect">
+            <a:avLst/>
+          </a:prstGeom>
+          <a:noFill/>
+          <a:ln>
+            <a:noFill/>
+          </a:ln>
+        </p:spPr>
+      </p:pic>
+      <p:pic>
+        <p:nvPicPr>
+          <p:cNvPr id="7" name="Imagem 6">
+            <a:extLst>
+              <a:ext uri="{FF2B5EF4-FFF2-40B4-BE49-F238E27FC236}">
+                <a16:creationId xmlns:a16="http://schemas.microsoft.com/office/drawing/2014/main" id="{66E54820-11ED-48A6-8F27-44D2896C6506}"/>
+              </a:ext>
+            </a:extLst>
+          </p:cNvPr>
+          <p:cNvPicPr/>
+          <p:nvPr/>
+        </p:nvPicPr>
+        <p:blipFill>
+          <a:blip r:embed="rId5"/>
+          <a:stretch>
+            <a:fillRect/>
+          </a:stretch>
+        </p:blipFill>
+        <p:spPr>
+          <a:xfrm>
+            <a:off x="1938235" y="228121"/>
+            <a:ext cx="3596639" cy="2903647"/>
+          </a:xfrm>
+          <a:prstGeom prst="rect">
+            <a:avLst/>
+          </a:prstGeom>
+        </p:spPr>
+      </p:pic>
+      <p:sp>
+        <p:nvSpPr>
+          <p:cNvPr id="9" name="Seta: para a Direita 8">
+            <a:extLst>
+              <a:ext uri="{FF2B5EF4-FFF2-40B4-BE49-F238E27FC236}">
+                <a16:creationId xmlns:a16="http://schemas.microsoft.com/office/drawing/2014/main" id="{48EBCC4E-1BC5-4FFE-AAC3-9E80735153C8}"/>
+              </a:ext>
+            </a:extLst>
+          </p:cNvPr>
+          <p:cNvSpPr/>
+          <p:nvPr/>
+        </p:nvSpPr>
+        <p:spPr>
+          <a:xfrm>
+            <a:off x="5661683" y="1533462"/>
+            <a:ext cx="710214" cy="292963"/>
+          </a:xfrm>
+          <a:prstGeom prst="rightArrow">
+            <a:avLst/>
+          </a:prstGeom>
+          <a:solidFill>
+            <a:srgbClr val="FF0000"/>
+          </a:solidFill>
+          <a:ln>
+            <a:solidFill>
+              <a:srgbClr val="FF0000"/>
+            </a:solidFill>
+          </a:ln>
+        </p:spPr>
+        <p:style>
+          <a:lnRef idx="2">
+            <a:schemeClr val="accent1">
+              <a:shade val="50000"/>
+            </a:schemeClr>
+          </a:lnRef>
+          <a:fillRef idx="1">
+            <a:schemeClr val="accent1"/>
+          </a:fillRef>
+          <a:effectRef idx="0">
+            <a:schemeClr val="accent1"/>
+          </a:effectRef>
+          <a:fontRef idx="minor">
+            <a:schemeClr val="lt1"/>
+          </a:fontRef>
+        </p:style>
+        <p:txBody>
+          <a:bodyPr rtlCol="0" anchor="ctr"/>
+          <a:lstStyle/>
+          <a:p>
+            <a:pPr algn="ctr"/>
+            <a:endParaRPr lang="pt-BR"/>
+          </a:p>
+        </p:txBody>
+      </p:sp>
+      <p:pic>
+        <p:nvPicPr>
+          <p:cNvPr id="11" name="Imagem 10">
+            <a:extLst>
+              <a:ext uri="{FF2B5EF4-FFF2-40B4-BE49-F238E27FC236}">
+                <a16:creationId xmlns:a16="http://schemas.microsoft.com/office/drawing/2014/main" id="{15F3E556-FC01-4ECF-A0B7-48DD8D5FEB17}"/>
+              </a:ext>
+            </a:extLst>
+          </p:cNvPr>
+          <p:cNvPicPr/>
+          <p:nvPr/>
+        </p:nvPicPr>
+        <p:blipFill>
+          <a:blip r:embed="rId6"/>
+          <a:stretch>
+            <a:fillRect/>
+          </a:stretch>
+        </p:blipFill>
+        <p:spPr>
+          <a:xfrm>
+            <a:off x="6476342" y="228121"/>
+            <a:ext cx="3596400" cy="2905200"/>
+          </a:xfrm>
+          <a:prstGeom prst="rect">
+            <a:avLst/>
+          </a:prstGeom>
+        </p:spPr>
+      </p:pic>
+      <p:pic>
+        <p:nvPicPr>
+          <p:cNvPr id="14" name="Imagem 13">
+            <a:extLst>
+              <a:ext uri="{FF2B5EF4-FFF2-40B4-BE49-F238E27FC236}">
+                <a16:creationId xmlns:a16="http://schemas.microsoft.com/office/drawing/2014/main" id="{01F318F2-543E-463B-B45E-AEE061DD8CDE}"/>
+              </a:ext>
+            </a:extLst>
+          </p:cNvPr>
+          <p:cNvPicPr/>
+          <p:nvPr/>
+        </p:nvPicPr>
+        <p:blipFill>
+          <a:blip r:embed="rId6"/>
+          <a:stretch>
+            <a:fillRect/>
+          </a:stretch>
+        </p:blipFill>
+        <p:spPr>
+          <a:xfrm>
+            <a:off x="1938235" y="3211171"/>
+            <a:ext cx="3596400" cy="2903647"/>
+          </a:xfrm>
+          <a:prstGeom prst="rect">
+            <a:avLst/>
+          </a:prstGeom>
+        </p:spPr>
+      </p:pic>
+      <p:pic>
+        <p:nvPicPr>
+          <p:cNvPr id="16" name="Imagem 15">
+            <a:extLst>
+              <a:ext uri="{FF2B5EF4-FFF2-40B4-BE49-F238E27FC236}">
+                <a16:creationId xmlns:a16="http://schemas.microsoft.com/office/drawing/2014/main" id="{4B0B4A44-AA61-43E1-A721-8719CA67C7BF}"/>
+              </a:ext>
+            </a:extLst>
+          </p:cNvPr>
+          <p:cNvPicPr/>
+          <p:nvPr/>
+        </p:nvPicPr>
+        <p:blipFill>
+          <a:blip r:embed="rId7"/>
+          <a:stretch>
+            <a:fillRect/>
+          </a:stretch>
+        </p:blipFill>
+        <p:spPr>
+          <a:xfrm>
+            <a:off x="6476342" y="3211171"/>
+            <a:ext cx="3596400" cy="2905200"/>
+          </a:xfrm>
+          <a:prstGeom prst="rect">
+            <a:avLst/>
+          </a:prstGeom>
+        </p:spPr>
+      </p:pic>
+      <p:sp>
+        <p:nvSpPr>
+          <p:cNvPr id="18" name="Seta: para a Direita 17">
+            <a:extLst>
+              <a:ext uri="{FF2B5EF4-FFF2-40B4-BE49-F238E27FC236}">
+                <a16:creationId xmlns:a16="http://schemas.microsoft.com/office/drawing/2014/main" id="{5DF9F882-09A7-40A1-B105-2F4461189EC8}"/>
+              </a:ext>
+            </a:extLst>
+          </p:cNvPr>
+          <p:cNvSpPr/>
+          <p:nvPr/>
+        </p:nvSpPr>
+        <p:spPr>
+          <a:xfrm>
+            <a:off x="5661683" y="4516512"/>
+            <a:ext cx="710214" cy="292963"/>
+          </a:xfrm>
+          <a:prstGeom prst="rightArrow">
+            <a:avLst/>
+          </a:prstGeom>
+          <a:solidFill>
+            <a:srgbClr val="FF0000"/>
+          </a:solidFill>
+          <a:ln>
+            <a:solidFill>
+              <a:srgbClr val="FF0000"/>
+            </a:solidFill>
+          </a:ln>
+        </p:spPr>
+        <p:style>
+          <a:lnRef idx="2">
+            <a:schemeClr val="accent1">
+              <a:shade val="50000"/>
+            </a:schemeClr>
+          </a:lnRef>
+          <a:fillRef idx="1">
+            <a:schemeClr val="accent1"/>
+          </a:fillRef>
+          <a:effectRef idx="0">
+            <a:schemeClr val="accent1"/>
+          </a:effectRef>
+          <a:fontRef idx="minor">
+            <a:schemeClr val="lt1"/>
+          </a:fontRef>
+        </p:style>
+        <p:txBody>
+          <a:bodyPr rtlCol="0" anchor="ctr"/>
+          <a:lstStyle/>
+          <a:p>
+            <a:pPr algn="ctr"/>
+            <a:endParaRPr lang="pt-BR"/>
+          </a:p>
+        </p:txBody>
+      </p:sp>
+    </p:spTree>
+    <p:extLst>
+      <p:ext uri="{BB962C8B-B14F-4D97-AF65-F5344CB8AC3E}">
         <p14:creationId xmlns:p14="http://schemas.microsoft.com/office/powerpoint/2010/main" val="948124914"/>
       </p:ext>
     </p:extLst>
@@ -5174,7 +5802,7 @@
 </p:sld>
 </file>
 
-<file path=ppt/slides/slide3.xml><?xml version="1.0" encoding="utf-8"?>
+<file path=ppt/slides/slide4.xml><?xml version="1.0" encoding="utf-8"?>
 <p:sld xmlns:a="http://schemas.openxmlformats.org/drawingml/2006/main" xmlns:r="http://schemas.openxmlformats.org/officeDocument/2006/relationships" xmlns:p="http://schemas.openxmlformats.org/presentationml/2006/main">
   <p:cSld>
     <p:spTree>
